--- a/codes/simulate-Fig7/Fig7.pptx
+++ b/codes/simulate-Fig7/Fig7.pptx
@@ -243,7 +243,7 @@
           <a:p>
             <a:fld id="{32B0FF21-6608-8548-92F8-70629808DAA3}" type="datetimeFigureOut">
               <a:rPr lang="en-TH" smtClean="0"/>
-              <a:t>30/4/2024 R</a:t>
+              <a:t>12/5/2024 R</a:t>
             </a:fld>
             <a:endParaRPr lang="en-TH"/>
           </a:p>
@@ -413,7 +413,7 @@
           <a:p>
             <a:fld id="{32B0FF21-6608-8548-92F8-70629808DAA3}" type="datetimeFigureOut">
               <a:rPr lang="en-TH" smtClean="0"/>
-              <a:t>30/4/2024 R</a:t>
+              <a:t>12/5/2024 R</a:t>
             </a:fld>
             <a:endParaRPr lang="en-TH"/>
           </a:p>
@@ -593,7 +593,7 @@
           <a:p>
             <a:fld id="{32B0FF21-6608-8548-92F8-70629808DAA3}" type="datetimeFigureOut">
               <a:rPr lang="en-TH" smtClean="0"/>
-              <a:t>30/4/2024 R</a:t>
+              <a:t>12/5/2024 R</a:t>
             </a:fld>
             <a:endParaRPr lang="en-TH"/>
           </a:p>
@@ -763,7 +763,7 @@
           <a:p>
             <a:fld id="{32B0FF21-6608-8548-92F8-70629808DAA3}" type="datetimeFigureOut">
               <a:rPr lang="en-TH" smtClean="0"/>
-              <a:t>30/4/2024 R</a:t>
+              <a:t>12/5/2024 R</a:t>
             </a:fld>
             <a:endParaRPr lang="en-TH"/>
           </a:p>
@@ -1007,7 +1007,7 @@
           <a:p>
             <a:fld id="{32B0FF21-6608-8548-92F8-70629808DAA3}" type="datetimeFigureOut">
               <a:rPr lang="en-TH" smtClean="0"/>
-              <a:t>30/4/2024 R</a:t>
+              <a:t>12/5/2024 R</a:t>
             </a:fld>
             <a:endParaRPr lang="en-TH"/>
           </a:p>
@@ -1239,7 +1239,7 @@
           <a:p>
             <a:fld id="{32B0FF21-6608-8548-92F8-70629808DAA3}" type="datetimeFigureOut">
               <a:rPr lang="en-TH" smtClean="0"/>
-              <a:t>30/4/2024 R</a:t>
+              <a:t>12/5/2024 R</a:t>
             </a:fld>
             <a:endParaRPr lang="en-TH"/>
           </a:p>
@@ -1606,7 +1606,7 @@
           <a:p>
             <a:fld id="{32B0FF21-6608-8548-92F8-70629808DAA3}" type="datetimeFigureOut">
               <a:rPr lang="en-TH" smtClean="0"/>
-              <a:t>30/4/2024 R</a:t>
+              <a:t>12/5/2024 R</a:t>
             </a:fld>
             <a:endParaRPr lang="en-TH"/>
           </a:p>
@@ -1724,7 +1724,7 @@
           <a:p>
             <a:fld id="{32B0FF21-6608-8548-92F8-70629808DAA3}" type="datetimeFigureOut">
               <a:rPr lang="en-TH" smtClean="0"/>
-              <a:t>30/4/2024 R</a:t>
+              <a:t>12/5/2024 R</a:t>
             </a:fld>
             <a:endParaRPr lang="en-TH"/>
           </a:p>
@@ -1819,7 +1819,7 @@
           <a:p>
             <a:fld id="{32B0FF21-6608-8548-92F8-70629808DAA3}" type="datetimeFigureOut">
               <a:rPr lang="en-TH" smtClean="0"/>
-              <a:t>30/4/2024 R</a:t>
+              <a:t>12/5/2024 R</a:t>
             </a:fld>
             <a:endParaRPr lang="en-TH"/>
           </a:p>
@@ -2096,7 +2096,7 @@
           <a:p>
             <a:fld id="{32B0FF21-6608-8548-92F8-70629808DAA3}" type="datetimeFigureOut">
               <a:rPr lang="en-TH" smtClean="0"/>
-              <a:t>30/4/2024 R</a:t>
+              <a:t>12/5/2024 R</a:t>
             </a:fld>
             <a:endParaRPr lang="en-TH"/>
           </a:p>
@@ -2353,7 +2353,7 @@
           <a:p>
             <a:fld id="{32B0FF21-6608-8548-92F8-70629808DAA3}" type="datetimeFigureOut">
               <a:rPr lang="en-TH" smtClean="0"/>
-              <a:t>30/4/2024 R</a:t>
+              <a:t>12/5/2024 R</a:t>
             </a:fld>
             <a:endParaRPr lang="en-TH"/>
           </a:p>
@@ -2566,7 +2566,7 @@
           <a:p>
             <a:fld id="{32B0FF21-6608-8548-92F8-70629808DAA3}" type="datetimeFigureOut">
               <a:rPr lang="en-TH" smtClean="0"/>
-              <a:t>30/4/2024 R</a:t>
+              <a:t>12/5/2024 R</a:t>
             </a:fld>
             <a:endParaRPr lang="en-TH"/>
           </a:p>
@@ -2973,10 +2973,10 @@
       </p:grpSpPr>
       <p:pic>
         <p:nvPicPr>
-          <p:cNvPr id="5" name="Picture 4">
+          <p:cNvPr id="3" name="Picture 2">
             <a:extLst>
               <a:ext uri="{FF2B5EF4-FFF2-40B4-BE49-F238E27FC236}">
-                <a16:creationId xmlns:a16="http://schemas.microsoft.com/office/drawing/2014/main" id="{3D4C7F84-5A53-84D7-B22E-4356E7327BFB}"/>
+                <a16:creationId xmlns:a16="http://schemas.microsoft.com/office/drawing/2014/main" id="{AD615BDC-0C9A-FAEE-8F45-12DD8D47EFF3}"/>
               </a:ext>
             </a:extLst>
           </p:cNvPr>
@@ -2987,13 +2987,13 @@
         </p:nvPicPr>
         <p:blipFill rotWithShape="1">
           <a:blip r:embed="rId2"/>
-          <a:srcRect r="6445"/>
+          <a:srcRect r="7548"/>
           <a:stretch/>
         </p:blipFill>
         <p:spPr>
           <a:xfrm>
-            <a:off x="1099595" y="-576"/>
-            <a:ext cx="6366075" cy="6804624"/>
+            <a:off x="1384739" y="0"/>
+            <a:ext cx="6340366" cy="6858000"/>
           </a:xfrm>
           <a:prstGeom prst="rect">
             <a:avLst/>
@@ -3014,7 +3014,7 @@
         </p:nvSpPr>
         <p:spPr>
           <a:xfrm>
-            <a:off x="4757195" y="144110"/>
+            <a:off x="5072506" y="144110"/>
             <a:ext cx="2206973" cy="415498"/>
           </a:xfrm>
           <a:prstGeom prst="rect">
